--- a/doc/src.pptx
+++ b/doc/src.pptx
@@ -6,6 +6,7 @@
   </p:sldMasterIdLst>
   <p:sldIdLst>
     <p:sldId id="257" r:id="rId2"/>
+    <p:sldId id="258" r:id="rId3"/>
   </p:sldIdLst>
   <p:sldSz cx="12192000" cy="6858000"/>
   <p:notesSz cx="6858000" cy="9144000"/>
@@ -104,6 +105,11 @@
       </a:defRPr>
     </a:lvl9pPr>
   </p:defaultTextStyle>
+  <p:extLst>
+    <p:ext uri="{EFAFB233-063F-42B5-8137-9DF3F51BA10A}">
+      <p15:sldGuideLst xmlns:p15="http://schemas.microsoft.com/office/powerpoint/2012/main"/>
+    </p:ext>
+  </p:extLst>
 </p:presentation>
 </file>
 
@@ -3336,7 +3342,7 @@
           <p:nvPr>
             <p:extLst>
               <p:ext uri="{D42A27DB-BD31-4B8C-83A1-F6EECF244321}">
-                <p14:modId xmlns:p14="http://schemas.microsoft.com/office/powerpoint/2010/main" val="2268475910"/>
+                <p14:modId xmlns:p14="http://schemas.microsoft.com/office/powerpoint/2010/main" val="3327335565"/>
               </p:ext>
             </p:extLst>
           </p:nvPr>
@@ -3349,7 +3355,7 @@
           <a:graphicData uri="http://schemas.openxmlformats.org/presentationml/2006/ole">
             <mc:AlternateContent xmlns:mc="http://schemas.openxmlformats.org/markup-compatibility/2006">
               <mc:Choice xmlns:v="urn:schemas-microsoft-com:vml" Requires="v">
-                <p:oleObj spid="_x0000_s1029" name="Worksheet" r:id="rId3" imgW="6486599" imgH="390474" progId="Excel.Sheet.12">
+                <p:oleObj spid="_x0000_s1033" name="Worksheet" r:id="rId3" imgW="6486599" imgH="390474" progId="Excel.Sheet.12">
                   <p:embed/>
                 </p:oleObj>
               </mc:Choice>
@@ -3398,12 +3404,13 @@
         </p:nvSpPr>
         <p:spPr>
           <a:xfrm rot="16200000">
-            <a:off x="3048001" y="1409700"/>
-            <a:ext cx="99060" cy="2171699"/>
+            <a:off x="3097216" y="1360488"/>
+            <a:ext cx="53976" cy="2225040"/>
           </a:xfrm>
           <a:prstGeom prst="rightBracket">
             <a:avLst/>
           </a:prstGeom>
+          <a:ln w="19050"/>
         </p:spPr>
         <p:style>
           <a:lnRef idx="1">
@@ -4245,12 +4252,694 @@
           </a:fontRef>
         </p:style>
       </p:cxnSp>
+      <p:sp>
+        <p:nvSpPr>
+          <p:cNvPr id="42" name="ZoneTexte 41">
+            <a:extLst>
+              <a:ext uri="{FF2B5EF4-FFF2-40B4-BE49-F238E27FC236}">
+                <a16:creationId xmlns:a16="http://schemas.microsoft.com/office/drawing/2014/main" id="{8FFABDD9-053F-4638-ABFA-F7AE19D387C4}"/>
+              </a:ext>
+            </a:extLst>
+          </p:cNvPr>
+          <p:cNvSpPr txBox="1"/>
+          <p:nvPr/>
+        </p:nvSpPr>
+        <p:spPr>
+          <a:xfrm>
+            <a:off x="1143015" y="3275111"/>
+            <a:ext cx="822945" cy="307777"/>
+          </a:xfrm>
+          <a:prstGeom prst="rect">
+            <a:avLst/>
+          </a:prstGeom>
+          <a:noFill/>
+        </p:spPr>
+        <p:txBody>
+          <a:bodyPr wrap="square" rtlCol="0">
+            <a:spAutoFit/>
+          </a:bodyPr>
+          <a:lstStyle/>
+          <a:p>
+            <a:r>
+              <a:rPr lang="fr-FR" sz="1400" dirty="0">
+                <a:solidFill>
+                  <a:schemeClr val="accent1"/>
+                </a:solidFill>
+              </a:rPr>
+              <a:t>Thread 0</a:t>
+            </a:r>
+          </a:p>
+        </p:txBody>
+      </p:sp>
+      <p:sp>
+        <p:nvSpPr>
+          <p:cNvPr id="44" name="ZoneTexte 43">
+            <a:extLst>
+              <a:ext uri="{FF2B5EF4-FFF2-40B4-BE49-F238E27FC236}">
+                <a16:creationId xmlns:a16="http://schemas.microsoft.com/office/drawing/2014/main" id="{4CDE014C-7307-4D41-A7C0-FEB861E137E0}"/>
+              </a:ext>
+            </a:extLst>
+          </p:cNvPr>
+          <p:cNvSpPr txBox="1"/>
+          <p:nvPr/>
+        </p:nvSpPr>
+        <p:spPr>
+          <a:xfrm>
+            <a:off x="1143015" y="3526571"/>
+            <a:ext cx="822945" cy="307777"/>
+          </a:xfrm>
+          <a:prstGeom prst="rect">
+            <a:avLst/>
+          </a:prstGeom>
+          <a:noFill/>
+        </p:spPr>
+        <p:txBody>
+          <a:bodyPr wrap="square" rtlCol="0">
+            <a:spAutoFit/>
+          </a:bodyPr>
+          <a:lstStyle/>
+          <a:p>
+            <a:r>
+              <a:rPr lang="fr-FR" sz="1400" dirty="0">
+                <a:solidFill>
+                  <a:schemeClr val="accent2"/>
+                </a:solidFill>
+              </a:rPr>
+              <a:t>Thread 1</a:t>
+            </a:r>
+          </a:p>
+        </p:txBody>
+      </p:sp>
+      <p:sp>
+        <p:nvSpPr>
+          <p:cNvPr id="48" name="ZoneTexte 47">
+            <a:extLst>
+              <a:ext uri="{FF2B5EF4-FFF2-40B4-BE49-F238E27FC236}">
+                <a16:creationId xmlns:a16="http://schemas.microsoft.com/office/drawing/2014/main" id="{FBEBDD2A-BF26-42F4-A221-A272E4F597C6}"/>
+              </a:ext>
+            </a:extLst>
+          </p:cNvPr>
+          <p:cNvSpPr txBox="1"/>
+          <p:nvPr/>
+        </p:nvSpPr>
+        <p:spPr>
+          <a:xfrm>
+            <a:off x="1143015" y="3808511"/>
+            <a:ext cx="822945" cy="307777"/>
+          </a:xfrm>
+          <a:prstGeom prst="rect">
+            <a:avLst/>
+          </a:prstGeom>
+          <a:noFill/>
+        </p:spPr>
+        <p:txBody>
+          <a:bodyPr wrap="square" rtlCol="0">
+            <a:spAutoFit/>
+          </a:bodyPr>
+          <a:lstStyle/>
+          <a:p>
+            <a:r>
+              <a:rPr lang="fr-FR" sz="1400" dirty="0">
+                <a:solidFill>
+                  <a:schemeClr val="accent6"/>
+                </a:solidFill>
+              </a:rPr>
+              <a:t>Thread 2</a:t>
+            </a:r>
+          </a:p>
+        </p:txBody>
+      </p:sp>
+      <p:sp>
+        <p:nvSpPr>
+          <p:cNvPr id="50" name="ZoneTexte 49">
+            <a:extLst>
+              <a:ext uri="{FF2B5EF4-FFF2-40B4-BE49-F238E27FC236}">
+                <a16:creationId xmlns:a16="http://schemas.microsoft.com/office/drawing/2014/main" id="{3ACA225E-E1C7-4E96-8A1B-3ED508EAE1ED}"/>
+              </a:ext>
+            </a:extLst>
+          </p:cNvPr>
+          <p:cNvSpPr txBox="1"/>
+          <p:nvPr/>
+        </p:nvSpPr>
+        <p:spPr>
+          <a:xfrm>
+            <a:off x="1143015" y="4059971"/>
+            <a:ext cx="822945" cy="307777"/>
+          </a:xfrm>
+          <a:prstGeom prst="rect">
+            <a:avLst/>
+          </a:prstGeom>
+          <a:noFill/>
+        </p:spPr>
+        <p:txBody>
+          <a:bodyPr wrap="square" rtlCol="0">
+            <a:spAutoFit/>
+          </a:bodyPr>
+          <a:lstStyle/>
+          <a:p>
+            <a:r>
+              <a:rPr lang="fr-FR" sz="1400" dirty="0">
+                <a:solidFill>
+                  <a:schemeClr val="accent4"/>
+                </a:solidFill>
+              </a:rPr>
+              <a:t>Thread 3</a:t>
+            </a:r>
+          </a:p>
+        </p:txBody>
+      </p:sp>
+      <p:sp>
+        <p:nvSpPr>
+          <p:cNvPr id="52" name="ZoneTexte 51">
+            <a:extLst>
+              <a:ext uri="{FF2B5EF4-FFF2-40B4-BE49-F238E27FC236}">
+                <a16:creationId xmlns:a16="http://schemas.microsoft.com/office/drawing/2014/main" id="{9042CA89-A125-47A4-A544-3D6FCCAE79B7}"/>
+              </a:ext>
+            </a:extLst>
+          </p:cNvPr>
+          <p:cNvSpPr txBox="1"/>
+          <p:nvPr/>
+        </p:nvSpPr>
+        <p:spPr>
+          <a:xfrm>
+            <a:off x="960128" y="4562891"/>
+            <a:ext cx="1005832" cy="307777"/>
+          </a:xfrm>
+          <a:prstGeom prst="rect">
+            <a:avLst/>
+          </a:prstGeom>
+          <a:noFill/>
+        </p:spPr>
+        <p:txBody>
+          <a:bodyPr wrap="square" rtlCol="0">
+            <a:spAutoFit/>
+          </a:bodyPr>
+          <a:lstStyle/>
+          <a:p>
+            <a:r>
+              <a:rPr lang="fr-FR" sz="1400" dirty="0">
+                <a:solidFill>
+                  <a:schemeClr val="accent3"/>
+                </a:solidFill>
+              </a:rPr>
+              <a:t>Thread 255</a:t>
+            </a:r>
+          </a:p>
+        </p:txBody>
+      </p:sp>
+      <p:sp>
+        <p:nvSpPr>
+          <p:cNvPr id="54" name="ZoneTexte 53">
+            <a:extLst>
+              <a:ext uri="{FF2B5EF4-FFF2-40B4-BE49-F238E27FC236}">
+                <a16:creationId xmlns:a16="http://schemas.microsoft.com/office/drawing/2014/main" id="{0CF65F8B-945D-47F6-B49E-D181E5C1765A}"/>
+              </a:ext>
+            </a:extLst>
+          </p:cNvPr>
+          <p:cNvSpPr txBox="1"/>
+          <p:nvPr/>
+        </p:nvSpPr>
+        <p:spPr>
+          <a:xfrm>
+            <a:off x="1143014" y="4311431"/>
+            <a:ext cx="822945" cy="307777"/>
+          </a:xfrm>
+          <a:prstGeom prst="rect">
+            <a:avLst/>
+          </a:prstGeom>
+          <a:noFill/>
+        </p:spPr>
+        <p:txBody>
+          <a:bodyPr wrap="square" rtlCol="0">
+            <a:spAutoFit/>
+          </a:bodyPr>
+          <a:lstStyle/>
+          <a:p>
+            <a:pPr algn="ctr"/>
+            <a:r>
+              <a:rPr lang="fr-FR" sz="1400" dirty="0"/>
+              <a:t>…</a:t>
+            </a:r>
+          </a:p>
+        </p:txBody>
+      </p:sp>
+    </p:spTree>
+    <p:extLst>
+      <p:ext uri="{BB962C8B-B14F-4D97-AF65-F5344CB8AC3E}">
+        <p14:creationId xmlns:p14="http://schemas.microsoft.com/office/powerpoint/2010/main" val="2324922704"/>
+      </p:ext>
+    </p:extLst>
+  </p:cSld>
+  <p:clrMapOvr>
+    <a:masterClrMapping/>
+  </p:clrMapOvr>
+</p:sld>
+</file>
+
+<file path=ppt/slides/slide2.xml><?xml version="1.0" encoding="utf-8"?>
+<p:sld xmlns:a="http://schemas.openxmlformats.org/drawingml/2006/main" xmlns:r="http://schemas.openxmlformats.org/officeDocument/2006/relationships" xmlns:p="http://schemas.openxmlformats.org/presentationml/2006/main">
+  <p:cSld>
+    <p:spTree>
+      <p:nvGrpSpPr>
+        <p:cNvPr id="1" name=""/>
+        <p:cNvGrpSpPr/>
+        <p:nvPr/>
+      </p:nvGrpSpPr>
+      <p:grpSpPr>
+        <a:xfrm>
+          <a:off x="0" y="0"/>
+          <a:ext cx="0" cy="0"/>
+          <a:chOff x="0" y="0"/>
+          <a:chExt cx="0" cy="0"/>
+        </a:xfrm>
+      </p:grpSpPr>
+      <p:graphicFrame>
+        <p:nvGraphicFramePr>
+          <p:cNvPr id="7" name="Objet 6">
+            <a:extLst>
+              <a:ext uri="{FF2B5EF4-FFF2-40B4-BE49-F238E27FC236}">
+                <a16:creationId xmlns:a16="http://schemas.microsoft.com/office/drawing/2014/main" id="{1C183E97-BEB9-4DE1-9BFB-1586296728AB}"/>
+              </a:ext>
+            </a:extLst>
+          </p:cNvPr>
+          <p:cNvGraphicFramePr>
+            <a:graphicFrameLocks noChangeAspect="1"/>
+          </p:cNvGraphicFramePr>
+          <p:nvPr>
+            <p:extLst>
+              <p:ext uri="{D42A27DB-BD31-4B8C-83A1-F6EECF244321}">
+                <p14:modId xmlns:p14="http://schemas.microsoft.com/office/powerpoint/2010/main" val="322281469"/>
+              </p:ext>
+            </p:extLst>
+          </p:nvPr>
+        </p:nvGraphicFramePr>
+        <p:xfrm>
+          <a:off x="1968818" y="2607310"/>
+          <a:ext cx="6486525" cy="390525"/>
+        </p:xfrm>
+        <a:graphic>
+          <a:graphicData uri="http://schemas.openxmlformats.org/presentationml/2006/ole">
+            <mc:AlternateContent xmlns:mc="http://schemas.openxmlformats.org/markup-compatibility/2006">
+              <mc:Choice xmlns:v="urn:schemas-microsoft-com:vml" Requires="v">
+                <p:oleObj spid="_x0000_s2053" name="Worksheet" r:id="rId3" imgW="6486599" imgH="390474" progId="Excel.Sheet.12">
+                  <p:embed/>
+                </p:oleObj>
+              </mc:Choice>
+              <mc:Fallback>
+                <p:oleObj name="Worksheet" r:id="rId3" imgW="6486599" imgH="390474" progId="Excel.Sheet.12">
+                  <p:embed/>
+                  <p:pic>
+                    <p:nvPicPr>
+                      <p:cNvPr id="7" name="Objet 6">
+                        <a:extLst>
+                          <a:ext uri="{FF2B5EF4-FFF2-40B4-BE49-F238E27FC236}">
+                            <a16:creationId xmlns:a16="http://schemas.microsoft.com/office/drawing/2014/main" id="{1C183E97-BEB9-4DE1-9BFB-1586296728AB}"/>
+                          </a:ext>
+                        </a:extLst>
+                      </p:cNvPr>
+                      <p:cNvPicPr/>
+                      <p:nvPr/>
+                    </p:nvPicPr>
+                    <p:blipFill>
+                      <a:blip r:embed="rId4"/>
+                      <a:stretch>
+                        <a:fillRect/>
+                      </a:stretch>
+                    </p:blipFill>
+                    <p:spPr>
+                      <a:xfrm>
+                        <a:off x="1968818" y="2607310"/>
+                        <a:ext cx="6486525" cy="390525"/>
+                      </a:xfrm>
+                      <a:prstGeom prst="rect">
+                        <a:avLst/>
+                      </a:prstGeom>
+                    </p:spPr>
+                  </p:pic>
+                </p:oleObj>
+              </mc:Fallback>
+            </mc:AlternateContent>
+          </a:graphicData>
+        </a:graphic>
+      </p:graphicFrame>
+      <p:sp>
+        <p:nvSpPr>
+          <p:cNvPr id="8" name="Parenthèse fermante 7">
+            <a:extLst>
+              <a:ext uri="{FF2B5EF4-FFF2-40B4-BE49-F238E27FC236}">
+                <a16:creationId xmlns:a16="http://schemas.microsoft.com/office/drawing/2014/main" id="{0679E31D-1524-4902-A49B-FAE0381864CF}"/>
+              </a:ext>
+            </a:extLst>
+          </p:cNvPr>
+          <p:cNvSpPr/>
+          <p:nvPr/>
+        </p:nvSpPr>
+        <p:spPr>
+          <a:xfrm rot="16200000">
+            <a:off x="3097216" y="1360488"/>
+            <a:ext cx="53976" cy="2225040"/>
+          </a:xfrm>
+          <a:prstGeom prst="rightBracket">
+            <a:avLst/>
+          </a:prstGeom>
+          <a:ln w="19050"/>
+        </p:spPr>
+        <p:style>
+          <a:lnRef idx="1">
+            <a:schemeClr val="accent1"/>
+          </a:lnRef>
+          <a:fillRef idx="0">
+            <a:schemeClr val="accent1"/>
+          </a:fillRef>
+          <a:effectRef idx="0">
+            <a:schemeClr val="accent1"/>
+          </a:effectRef>
+          <a:fontRef idx="minor">
+            <a:schemeClr val="tx1"/>
+          </a:fontRef>
+        </p:style>
+        <p:txBody>
+          <a:bodyPr rtlCol="0" anchor="ctr"/>
+          <a:lstStyle/>
+          <a:p>
+            <a:pPr algn="ctr"/>
+            <a:endParaRPr lang="fr-FR"/>
+          </a:p>
+        </p:txBody>
+      </p:sp>
+      <p:sp>
+        <p:nvSpPr>
+          <p:cNvPr id="9" name="ZoneTexte 8">
+            <a:extLst>
+              <a:ext uri="{FF2B5EF4-FFF2-40B4-BE49-F238E27FC236}">
+                <a16:creationId xmlns:a16="http://schemas.microsoft.com/office/drawing/2014/main" id="{09F54934-EA2A-4AEE-AB34-E47EC0FFD4D7}"/>
+              </a:ext>
+            </a:extLst>
+          </p:cNvPr>
+          <p:cNvSpPr txBox="1"/>
+          <p:nvPr/>
+        </p:nvSpPr>
+        <p:spPr>
+          <a:xfrm>
+            <a:off x="2400304" y="1853665"/>
+            <a:ext cx="1447800" cy="646331"/>
+          </a:xfrm>
+          <a:prstGeom prst="rect">
+            <a:avLst/>
+          </a:prstGeom>
+          <a:noFill/>
+        </p:spPr>
+        <p:txBody>
+          <a:bodyPr wrap="square" rtlCol="0">
+            <a:spAutoFit/>
+          </a:bodyPr>
+          <a:lstStyle/>
+          <a:p>
+            <a:pPr algn="ctr"/>
+            <a:r>
+              <a:rPr lang="fr-FR" dirty="0">
+                <a:highlight>
+                  <a:srgbClr val="00FF00"/>
+                </a:highlight>
+              </a:rPr>
+              <a:t>256 threads</a:t>
+            </a:r>
+          </a:p>
+          <a:p>
+            <a:pPr algn="ctr"/>
+            <a:r>
+              <a:rPr lang="fr-FR" dirty="0"/>
+              <a:t>of </a:t>
+            </a:r>
+            <a:r>
+              <a:rPr lang="fr-FR" dirty="0">
+                <a:highlight>
+                  <a:srgbClr val="FFFF00"/>
+                </a:highlight>
+              </a:rPr>
+              <a:t>bloc 0</a:t>
+            </a:r>
+          </a:p>
+        </p:txBody>
+      </p:sp>
+      <p:sp>
+        <p:nvSpPr>
+          <p:cNvPr id="2" name="Parenthèse fermante 1">
+            <a:extLst>
+              <a:ext uri="{FF2B5EF4-FFF2-40B4-BE49-F238E27FC236}">
+                <a16:creationId xmlns:a16="http://schemas.microsoft.com/office/drawing/2014/main" id="{C9151285-BBDD-4928-A3A3-90C7BE7F7093}"/>
+              </a:ext>
+            </a:extLst>
+          </p:cNvPr>
+          <p:cNvSpPr/>
+          <p:nvPr/>
+        </p:nvSpPr>
+        <p:spPr>
+          <a:xfrm rot="16200000">
+            <a:off x="5345112" y="1360488"/>
+            <a:ext cx="53976" cy="2225040"/>
+          </a:xfrm>
+          <a:prstGeom prst="rightBracket">
+            <a:avLst/>
+          </a:prstGeom>
+          <a:ln w="19050"/>
+        </p:spPr>
+        <p:style>
+          <a:lnRef idx="1">
+            <a:schemeClr val="accent1"/>
+          </a:lnRef>
+          <a:fillRef idx="0">
+            <a:schemeClr val="accent1"/>
+          </a:fillRef>
+          <a:effectRef idx="0">
+            <a:schemeClr val="accent1"/>
+          </a:effectRef>
+          <a:fontRef idx="minor">
+            <a:schemeClr val="tx1"/>
+          </a:fontRef>
+        </p:style>
+        <p:txBody>
+          <a:bodyPr rtlCol="0" anchor="ctr"/>
+          <a:lstStyle/>
+          <a:p>
+            <a:pPr algn="ctr"/>
+            <a:endParaRPr lang="fr-FR"/>
+          </a:p>
+        </p:txBody>
+      </p:sp>
+      <p:sp>
+        <p:nvSpPr>
+          <p:cNvPr id="3" name="ZoneTexte 2">
+            <a:extLst>
+              <a:ext uri="{FF2B5EF4-FFF2-40B4-BE49-F238E27FC236}">
+                <a16:creationId xmlns:a16="http://schemas.microsoft.com/office/drawing/2014/main" id="{C09B9753-D66F-449B-BE1A-87EA60BE1CB5}"/>
+              </a:ext>
+            </a:extLst>
+          </p:cNvPr>
+          <p:cNvSpPr txBox="1"/>
+          <p:nvPr/>
+        </p:nvSpPr>
+        <p:spPr>
+          <a:xfrm>
+            <a:off x="4648200" y="1853665"/>
+            <a:ext cx="1447800" cy="646331"/>
+          </a:xfrm>
+          <a:prstGeom prst="rect">
+            <a:avLst/>
+          </a:prstGeom>
+          <a:noFill/>
+        </p:spPr>
+        <p:txBody>
+          <a:bodyPr wrap="square" rtlCol="0">
+            <a:spAutoFit/>
+          </a:bodyPr>
+          <a:lstStyle/>
+          <a:p>
+            <a:pPr algn="ctr"/>
+            <a:r>
+              <a:rPr lang="fr-FR" dirty="0">
+                <a:highlight>
+                  <a:srgbClr val="00FF00"/>
+                </a:highlight>
+              </a:rPr>
+              <a:t>256 threads</a:t>
+            </a:r>
+          </a:p>
+          <a:p>
+            <a:pPr algn="ctr"/>
+            <a:r>
+              <a:rPr lang="fr-FR" dirty="0"/>
+              <a:t>of </a:t>
+            </a:r>
+            <a:r>
+              <a:rPr lang="fr-FR" dirty="0">
+                <a:highlight>
+                  <a:srgbClr val="FFFF00"/>
+                </a:highlight>
+              </a:rPr>
+              <a:t>bloc 1</a:t>
+            </a:r>
+          </a:p>
+        </p:txBody>
+      </p:sp>
+      <p:sp>
+        <p:nvSpPr>
+          <p:cNvPr id="4" name="Parenthèse fermante 3">
+            <a:extLst>
+              <a:ext uri="{FF2B5EF4-FFF2-40B4-BE49-F238E27FC236}">
+                <a16:creationId xmlns:a16="http://schemas.microsoft.com/office/drawing/2014/main" id="{A295738D-C129-4178-A7B9-B176CC64D6CB}"/>
+              </a:ext>
+            </a:extLst>
+          </p:cNvPr>
+          <p:cNvSpPr/>
+          <p:nvPr/>
+        </p:nvSpPr>
+        <p:spPr>
+          <a:xfrm rot="16200000">
+            <a:off x="7354253" y="1599245"/>
+            <a:ext cx="53978" cy="1747524"/>
+          </a:xfrm>
+          <a:prstGeom prst="rightBracket">
+            <a:avLst/>
+          </a:prstGeom>
+          <a:ln w="19050"/>
+        </p:spPr>
+        <p:style>
+          <a:lnRef idx="1">
+            <a:schemeClr val="accent1"/>
+          </a:lnRef>
+          <a:fillRef idx="0">
+            <a:schemeClr val="accent1"/>
+          </a:fillRef>
+          <a:effectRef idx="0">
+            <a:schemeClr val="accent1"/>
+          </a:effectRef>
+          <a:fontRef idx="minor">
+            <a:schemeClr val="tx1"/>
+          </a:fontRef>
+        </p:style>
+        <p:txBody>
+          <a:bodyPr rtlCol="0" anchor="ctr"/>
+          <a:lstStyle/>
+          <a:p>
+            <a:pPr algn="ctr"/>
+            <a:endParaRPr lang="fr-FR"/>
+          </a:p>
+        </p:txBody>
+      </p:sp>
+      <p:sp>
+        <p:nvSpPr>
+          <p:cNvPr id="5" name="ZoneTexte 4">
+            <a:extLst>
+              <a:ext uri="{FF2B5EF4-FFF2-40B4-BE49-F238E27FC236}">
+                <a16:creationId xmlns:a16="http://schemas.microsoft.com/office/drawing/2014/main" id="{1CA16538-673D-4A17-B87E-23E64E57DC6E}"/>
+              </a:ext>
+            </a:extLst>
+          </p:cNvPr>
+          <p:cNvSpPr txBox="1"/>
+          <p:nvPr/>
+        </p:nvSpPr>
+        <p:spPr>
+          <a:xfrm>
+            <a:off x="6730842" y="1851540"/>
+            <a:ext cx="1447800" cy="646331"/>
+          </a:xfrm>
+          <a:prstGeom prst="rect">
+            <a:avLst/>
+          </a:prstGeom>
+          <a:noFill/>
+        </p:spPr>
+        <p:txBody>
+          <a:bodyPr wrap="square" rtlCol="0">
+            <a:spAutoFit/>
+          </a:bodyPr>
+          <a:lstStyle/>
+          <a:p>
+            <a:pPr algn="ctr"/>
+            <a:r>
+              <a:rPr lang="fr-FR" dirty="0">
+                <a:highlight>
+                  <a:srgbClr val="00FF00"/>
+                </a:highlight>
+              </a:rPr>
+              <a:t>256 threads</a:t>
+            </a:r>
+          </a:p>
+          <a:p>
+            <a:pPr algn="ctr"/>
+            <a:r>
+              <a:rPr lang="fr-FR" dirty="0"/>
+              <a:t>of </a:t>
+            </a:r>
+            <a:r>
+              <a:rPr lang="fr-FR" dirty="0">
+                <a:highlight>
+                  <a:srgbClr val="FFFF00"/>
+                </a:highlight>
+              </a:rPr>
+              <a:t>bloc 2</a:t>
+            </a:r>
+          </a:p>
+        </p:txBody>
+      </p:sp>
+      <p:sp>
+        <p:nvSpPr>
+          <p:cNvPr id="6" name="Rectangle 5">
+            <a:extLst>
+              <a:ext uri="{FF2B5EF4-FFF2-40B4-BE49-F238E27FC236}">
+                <a16:creationId xmlns:a16="http://schemas.microsoft.com/office/drawing/2014/main" id="{CD8A3484-D1BD-4422-8103-202ED9C126A4}"/>
+              </a:ext>
+            </a:extLst>
+          </p:cNvPr>
+          <p:cNvSpPr/>
+          <p:nvPr/>
+        </p:nvSpPr>
+        <p:spPr>
+          <a:xfrm>
+            <a:off x="8156735" y="2362277"/>
+            <a:ext cx="388621" cy="221457"/>
+          </a:xfrm>
+          <a:prstGeom prst="rect">
+            <a:avLst/>
+          </a:prstGeom>
+          <a:solidFill>
+            <a:schemeClr val="bg1"/>
+          </a:solidFill>
+          <a:ln>
+            <a:noFill/>
+          </a:ln>
+        </p:spPr>
+        <p:style>
+          <a:lnRef idx="2">
+            <a:schemeClr val="accent1">
+              <a:shade val="50000"/>
+            </a:schemeClr>
+          </a:lnRef>
+          <a:fillRef idx="1">
+            <a:schemeClr val="accent1"/>
+          </a:fillRef>
+          <a:effectRef idx="0">
+            <a:schemeClr val="accent1"/>
+          </a:effectRef>
+          <a:fontRef idx="minor">
+            <a:schemeClr val="lt1"/>
+          </a:fontRef>
+        </p:style>
+        <p:txBody>
+          <a:bodyPr rtlCol="0" anchor="ctr"/>
+          <a:lstStyle/>
+          <a:p>
+            <a:pPr algn="ctr"/>
+            <a:endParaRPr lang="fr-FR"/>
+          </a:p>
+        </p:txBody>
+      </p:sp>
       <p:cxnSp>
         <p:nvCxnSpPr>
-          <p:cNvPr id="41" name="Connecteur droit avec flèche 40">
-            <a:extLst>
-              <a:ext uri="{FF2B5EF4-FFF2-40B4-BE49-F238E27FC236}">
-                <a16:creationId xmlns:a16="http://schemas.microsoft.com/office/drawing/2014/main" id="{50F44804-E781-4427-8A24-1325C4D4D8CB}"/>
+          <p:cNvPr id="39" name="Connecteur droit avec flèche 38">
+            <a:extLst>
+              <a:ext uri="{FF2B5EF4-FFF2-40B4-BE49-F238E27FC236}">
+                <a16:creationId xmlns:a16="http://schemas.microsoft.com/office/drawing/2014/main" id="{30D71378-6812-41BE-92D0-FBE861260207}"/>
               </a:ext>
             </a:extLst>
           </p:cNvPr>
@@ -4260,29 +4949,26 @@
           <p:nvPr/>
         </p:nvCxnSpPr>
         <p:spPr>
-          <a:xfrm flipV="1">
-            <a:off x="8290560" y="3063240"/>
-            <a:ext cx="0" cy="1653540"/>
+          <a:xfrm flipH="1" flipV="1">
+            <a:off x="2137728" y="3021411"/>
+            <a:ext cx="319722" cy="323851"/>
           </a:xfrm>
           <a:prstGeom prst="straightConnector1">
             <a:avLst/>
           </a:prstGeom>
           <a:ln w="12700">
-            <a:solidFill>
-              <a:schemeClr val="accent3"/>
-            </a:solidFill>
             <a:tailEnd type="triangle"/>
           </a:ln>
         </p:spPr>
         <p:style>
           <a:lnRef idx="1">
-            <a:schemeClr val="accent2"/>
+            <a:schemeClr val="accent1"/>
           </a:lnRef>
           <a:fillRef idx="0">
-            <a:schemeClr val="accent2"/>
+            <a:schemeClr val="accent1"/>
           </a:fillRef>
           <a:effectRef idx="0">
-            <a:schemeClr val="accent2"/>
+            <a:schemeClr val="accent1"/>
           </a:effectRef>
           <a:fontRef idx="minor">
             <a:schemeClr val="tx1"/>
@@ -4291,10 +4977,10 @@
       </p:cxnSp>
       <p:sp>
         <p:nvSpPr>
-          <p:cNvPr id="42" name="ZoneTexte 41">
-            <a:extLst>
-              <a:ext uri="{FF2B5EF4-FFF2-40B4-BE49-F238E27FC236}">
-                <a16:creationId xmlns:a16="http://schemas.microsoft.com/office/drawing/2014/main" id="{8FFABDD9-053F-4638-ABFA-F7AE19D387C4}"/>
+          <p:cNvPr id="16" name="ZoneTexte 15">
+            <a:extLst>
+              <a:ext uri="{FF2B5EF4-FFF2-40B4-BE49-F238E27FC236}">
+                <a16:creationId xmlns:a16="http://schemas.microsoft.com/office/drawing/2014/main" id="{036D61F0-99F5-482A-B409-4C14DB317543}"/>
               </a:ext>
             </a:extLst>
           </p:cNvPr>
@@ -4303,8 +4989,8 @@
         </p:nvSpPr>
         <p:spPr>
           <a:xfrm>
-            <a:off x="1143015" y="3275111"/>
-            <a:ext cx="822945" cy="307777"/>
+            <a:off x="2457450" y="3345262"/>
+            <a:ext cx="4464050" cy="307777"/>
           </a:xfrm>
           <a:prstGeom prst="rect">
             <a:avLst/>
@@ -4318,248 +5004,45 @@
           <a:lstStyle/>
           <a:p>
             <a:r>
-              <a:rPr lang="fr-FR" sz="1400" dirty="0">
-                <a:solidFill>
-                  <a:schemeClr val="accent1"/>
-                </a:solidFill>
+              <a:rPr lang="fr-FR" sz="1400" dirty="0"/>
+              <a:t>Index = </a:t>
+            </a:r>
+            <a:r>
+              <a:rPr lang="en-US" sz="1400" dirty="0" err="1">
+                <a:highlight>
+                  <a:srgbClr val="FFFF00"/>
+                </a:highlight>
               </a:rPr>
-              <a:t>Thread 0</a:t>
-            </a:r>
-          </a:p>
-        </p:txBody>
-      </p:sp>
-      <p:sp>
-        <p:nvSpPr>
-          <p:cNvPr id="44" name="ZoneTexte 43">
-            <a:extLst>
-              <a:ext uri="{FF2B5EF4-FFF2-40B4-BE49-F238E27FC236}">
-                <a16:creationId xmlns:a16="http://schemas.microsoft.com/office/drawing/2014/main" id="{4CDE014C-7307-4D41-A7C0-FEB861E137E0}"/>
-              </a:ext>
-            </a:extLst>
-          </p:cNvPr>
-          <p:cNvSpPr txBox="1"/>
-          <p:nvPr/>
-        </p:nvSpPr>
-        <p:spPr>
-          <a:xfrm>
-            <a:off x="1143015" y="3526571"/>
-            <a:ext cx="822945" cy="307777"/>
-          </a:xfrm>
-          <a:prstGeom prst="rect">
-            <a:avLst/>
-          </a:prstGeom>
-          <a:noFill/>
-        </p:spPr>
-        <p:txBody>
-          <a:bodyPr wrap="square" rtlCol="0">
-            <a:spAutoFit/>
-          </a:bodyPr>
-          <a:lstStyle/>
-          <a:p>
-            <a:r>
-              <a:rPr lang="fr-FR" sz="1400" dirty="0">
-                <a:solidFill>
-                  <a:schemeClr val="accent2"/>
-                </a:solidFill>
+              <a:t>blockIdx.x</a:t>
+            </a:r>
+            <a:r>
+              <a:rPr lang="en-US" sz="1400" dirty="0"/>
+              <a:t> × </a:t>
+            </a:r>
+            <a:r>
+              <a:rPr lang="en-US" sz="1400" dirty="0" err="1">
+                <a:highlight>
+                  <a:srgbClr val="00FF00"/>
+                </a:highlight>
               </a:rPr>
-              <a:t>Thread 1</a:t>
-            </a:r>
-          </a:p>
-        </p:txBody>
-      </p:sp>
-      <p:sp>
-        <p:nvSpPr>
-          <p:cNvPr id="48" name="ZoneTexte 47">
-            <a:extLst>
-              <a:ext uri="{FF2B5EF4-FFF2-40B4-BE49-F238E27FC236}">
-                <a16:creationId xmlns:a16="http://schemas.microsoft.com/office/drawing/2014/main" id="{FBEBDD2A-BF26-42F4-A221-A272E4F597C6}"/>
-              </a:ext>
-            </a:extLst>
-          </p:cNvPr>
-          <p:cNvSpPr txBox="1"/>
-          <p:nvPr/>
-        </p:nvSpPr>
-        <p:spPr>
-          <a:xfrm>
-            <a:off x="1143015" y="3808511"/>
-            <a:ext cx="822945" cy="307777"/>
-          </a:xfrm>
-          <a:prstGeom prst="rect">
-            <a:avLst/>
-          </a:prstGeom>
-          <a:noFill/>
-        </p:spPr>
-        <p:txBody>
-          <a:bodyPr wrap="square" rtlCol="0">
-            <a:spAutoFit/>
-          </a:bodyPr>
-          <a:lstStyle/>
-          <a:p>
-            <a:r>
-              <a:rPr lang="fr-FR" sz="1400" dirty="0">
-                <a:solidFill>
-                  <a:schemeClr val="accent6"/>
-                </a:solidFill>
-              </a:rPr>
-              <a:t>Thread 2</a:t>
-            </a:r>
-          </a:p>
-        </p:txBody>
-      </p:sp>
-      <p:sp>
-        <p:nvSpPr>
-          <p:cNvPr id="50" name="ZoneTexte 49">
-            <a:extLst>
-              <a:ext uri="{FF2B5EF4-FFF2-40B4-BE49-F238E27FC236}">
-                <a16:creationId xmlns:a16="http://schemas.microsoft.com/office/drawing/2014/main" id="{3ACA225E-E1C7-4E96-8A1B-3ED508EAE1ED}"/>
-              </a:ext>
-            </a:extLst>
-          </p:cNvPr>
-          <p:cNvSpPr txBox="1"/>
-          <p:nvPr/>
-        </p:nvSpPr>
-        <p:spPr>
-          <a:xfrm>
-            <a:off x="1143015" y="4059971"/>
-            <a:ext cx="822945" cy="307777"/>
-          </a:xfrm>
-          <a:prstGeom prst="rect">
-            <a:avLst/>
-          </a:prstGeom>
-          <a:noFill/>
-        </p:spPr>
-        <p:txBody>
-          <a:bodyPr wrap="square" rtlCol="0">
-            <a:spAutoFit/>
-          </a:bodyPr>
-          <a:lstStyle/>
-          <a:p>
-            <a:r>
-              <a:rPr lang="fr-FR" sz="1400" dirty="0">
-                <a:solidFill>
-                  <a:schemeClr val="accent4"/>
-                </a:solidFill>
-              </a:rPr>
-              <a:t>Thread 3</a:t>
-            </a:r>
-          </a:p>
-        </p:txBody>
-      </p:sp>
-      <p:sp>
-        <p:nvSpPr>
-          <p:cNvPr id="52" name="ZoneTexte 51">
-            <a:extLst>
-              <a:ext uri="{FF2B5EF4-FFF2-40B4-BE49-F238E27FC236}">
-                <a16:creationId xmlns:a16="http://schemas.microsoft.com/office/drawing/2014/main" id="{9042CA89-A125-47A4-A544-3D6FCCAE79B7}"/>
-              </a:ext>
-            </a:extLst>
-          </p:cNvPr>
-          <p:cNvSpPr txBox="1"/>
-          <p:nvPr/>
-        </p:nvSpPr>
-        <p:spPr>
-          <a:xfrm>
-            <a:off x="960128" y="4562891"/>
-            <a:ext cx="1005832" cy="307777"/>
-          </a:xfrm>
-          <a:prstGeom prst="rect">
-            <a:avLst/>
-          </a:prstGeom>
-          <a:noFill/>
-        </p:spPr>
-        <p:txBody>
-          <a:bodyPr wrap="square" rtlCol="0">
-            <a:spAutoFit/>
-          </a:bodyPr>
-          <a:lstStyle/>
-          <a:p>
-            <a:r>
-              <a:rPr lang="fr-FR" sz="1400" dirty="0">
-                <a:solidFill>
-                  <a:schemeClr val="accent3"/>
-                </a:solidFill>
-              </a:rPr>
-              <a:t>Thread 255</a:t>
-            </a:r>
-          </a:p>
-        </p:txBody>
-      </p:sp>
-      <p:sp>
-        <p:nvSpPr>
-          <p:cNvPr id="54" name="ZoneTexte 53">
-            <a:extLst>
-              <a:ext uri="{FF2B5EF4-FFF2-40B4-BE49-F238E27FC236}">
-                <a16:creationId xmlns:a16="http://schemas.microsoft.com/office/drawing/2014/main" id="{0CF65F8B-945D-47F6-B49E-D181E5C1765A}"/>
-              </a:ext>
-            </a:extLst>
-          </p:cNvPr>
-          <p:cNvSpPr txBox="1"/>
-          <p:nvPr/>
-        </p:nvSpPr>
-        <p:spPr>
-          <a:xfrm>
-            <a:off x="1143014" y="4311431"/>
-            <a:ext cx="822945" cy="307777"/>
-          </a:xfrm>
-          <a:prstGeom prst="rect">
-            <a:avLst/>
-          </a:prstGeom>
-          <a:noFill/>
-        </p:spPr>
-        <p:txBody>
-          <a:bodyPr wrap="square" rtlCol="0">
-            <a:spAutoFit/>
-          </a:bodyPr>
-          <a:lstStyle/>
-          <a:p>
-            <a:pPr algn="ctr"/>
-            <a:r>
-              <a:rPr lang="fr-FR" sz="1400" dirty="0"/>
-              <a:t>…</a:t>
-            </a:r>
-          </a:p>
-        </p:txBody>
-      </p:sp>
-      <p:sp>
-        <p:nvSpPr>
-          <p:cNvPr id="56" name="ZoneTexte 55">
-            <a:extLst>
-              <a:ext uri="{FF2B5EF4-FFF2-40B4-BE49-F238E27FC236}">
-                <a16:creationId xmlns:a16="http://schemas.microsoft.com/office/drawing/2014/main" id="{810C7CDB-CC3A-46A4-B280-67414191BC4B}"/>
-              </a:ext>
-            </a:extLst>
-          </p:cNvPr>
-          <p:cNvSpPr txBox="1"/>
-          <p:nvPr/>
-        </p:nvSpPr>
-        <p:spPr>
-          <a:xfrm>
-            <a:off x="8298181" y="2607310"/>
-            <a:ext cx="822945" cy="307777"/>
-          </a:xfrm>
-          <a:prstGeom prst="rect">
-            <a:avLst/>
-          </a:prstGeom>
-          <a:noFill/>
-        </p:spPr>
-        <p:txBody>
-          <a:bodyPr wrap="square" rtlCol="0">
-            <a:spAutoFit/>
-          </a:bodyPr>
-          <a:lstStyle/>
-          <a:p>
-            <a:pPr algn="ctr"/>
-            <a:r>
-              <a:rPr lang="fr-FR" sz="1400" dirty="0"/>
-              <a:t>…</a:t>
-            </a:r>
+              <a:t>blockDim.x</a:t>
+            </a:r>
+            <a:r>
+              <a:rPr lang="en-US" sz="1400" dirty="0"/>
+              <a:t> + </a:t>
+            </a:r>
+            <a:r>
+              <a:rPr lang="en-US" sz="1400" dirty="0" err="1"/>
+              <a:t>threadIdx.x</a:t>
+            </a:r>
+            <a:endParaRPr lang="fr-FR" sz="1400" dirty="0"/>
           </a:p>
         </p:txBody>
       </p:sp>
     </p:spTree>
     <p:extLst>
       <p:ext uri="{BB962C8B-B14F-4D97-AF65-F5344CB8AC3E}">
-        <p14:creationId xmlns:p14="http://schemas.microsoft.com/office/powerpoint/2010/main" val="2324922704"/>
+        <p14:creationId xmlns:p14="http://schemas.microsoft.com/office/powerpoint/2010/main" val="3343351923"/>
       </p:ext>
     </p:extLst>
   </p:cSld>
